--- a/Budweiser Analysis.pptx
+++ b/Budweiser Analysis.pptx
@@ -122,7 +122,7 @@
   </p:defaultTextStyle>
   <p:extLst>
     <p:ext uri="{EFAFB233-063F-42B5-8137-9DF3F51BA10A}">
-      <p15:sldGuideLst xmlns="" xmlns:p15="http://schemas.microsoft.com/office/powerpoint/2012/main">
+      <p15:sldGuideLst xmlns:p15="http://schemas.microsoft.com/office/powerpoint/2012/main" xmlns="">
         <p15:guide id="1" orient="horz" pos="2160">
           <p15:clr>
             <a:srgbClr val="A4A3A4"/>
@@ -3005,7 +3005,7 @@
           <p:cNvPr id="2" name="Title 1">
             <a:extLst>
               <a:ext uri="{FF2B5EF4-FFF2-40B4-BE49-F238E27FC236}">
-                <a16:creationId xmlns="" xmlns:a16="http://schemas.microsoft.com/office/drawing/2014/main" id="{22F846B4-C45B-4F21-95A8-D24D0C289B8E}"/>
+                <a16:creationId xmlns:a16="http://schemas.microsoft.com/office/drawing/2014/main" xmlns="" id="{22F846B4-C45B-4F21-95A8-D24D0C289B8E}"/>
               </a:ext>
             </a:extLst>
           </p:cNvPr>
@@ -3045,7 +3045,7 @@
           <p:cNvPr id="3" name="Subtitle 2">
             <a:extLst>
               <a:ext uri="{FF2B5EF4-FFF2-40B4-BE49-F238E27FC236}">
-                <a16:creationId xmlns="" xmlns:a16="http://schemas.microsoft.com/office/drawing/2014/main" id="{090CD6F6-BB2D-4A3F-B472-F9C3E9F427D1}"/>
+                <a16:creationId xmlns:a16="http://schemas.microsoft.com/office/drawing/2014/main" xmlns="" id="{090CD6F6-BB2D-4A3F-B472-F9C3E9F427D1}"/>
               </a:ext>
             </a:extLst>
           </p:cNvPr>
@@ -3086,8 +3086,31 @@
           <a:p>
             <a:r>
               <a:rPr lang="en-US" sz="2000" dirty="0"/>
-              <a:t>Link for video:</a:t>
+              <a:t>Link for video</a:t>
             </a:r>
+            <a:r>
+              <a:rPr lang="en-US" sz="2000" dirty="0"/>
+              <a:t>: </a:t>
+            </a:r>
+            <a:r>
+              <a:rPr lang="en-US" sz="2000" dirty="0">
+                <a:hlinkClick r:id="rId2"/>
+              </a:rPr>
+              <a:t>http</a:t>
+            </a:r>
+            <a:r>
+              <a:rPr lang="en-US" sz="2000">
+                <a:hlinkClick r:id="rId2"/>
+              </a:rPr>
+              <a:t>://</a:t>
+            </a:r>
+            <a:r>
+              <a:rPr lang="en-US" sz="2000" smtClean="0">
+                <a:hlinkClick r:id="rId2"/>
+              </a:rPr>
+              <a:t>youtube.com/ajasserme</a:t>
+            </a:r>
+            <a:endParaRPr lang="en-US" sz="2000" dirty="0" smtClean="0"/>
           </a:p>
         </p:txBody>
       </p:sp>
@@ -3141,10 +3164,10 @@
           <p:cNvPr id="9" name="Rectangle 8">
             <a:extLst>
               <a:ext uri="{FF2B5EF4-FFF2-40B4-BE49-F238E27FC236}">
-                <a16:creationId xmlns="" xmlns:a16="http://schemas.microsoft.com/office/drawing/2014/main" id="{9427AF5F-9A0E-42B7-A252-FD64C9885F9C}"/>
+                <a16:creationId xmlns:a16="http://schemas.microsoft.com/office/drawing/2014/main" xmlns="" id="{9427AF5F-9A0E-42B7-A252-FD64C9885F9C}"/>
               </a:ext>
               <a:ext uri="{C183D7F6-B498-43B3-948B-1728B52AA6E4}">
-                <adec:decorative xmlns="" xmlns:adec="http://schemas.microsoft.com/office/drawing/2017/decorative" val="1"/>
+                <adec:decorative xmlns:adec="http://schemas.microsoft.com/office/drawing/2017/decorative" xmlns="" val="1"/>
               </a:ext>
             </a:extLst>
           </p:cNvPr>
@@ -3154,7 +3177,7 @@
           <p:nvPr>
             <p:extLst>
               <p:ext uri="{386F3935-93C4-4BCD-93E2-E3B085C9AB24}">
-                <p16:designElem xmlns="" xmlns:p16="http://schemas.microsoft.com/office/powerpoint/2015/main" val="1"/>
+                <p16:designElem xmlns:p16="http://schemas.microsoft.com/office/powerpoint/2015/main" xmlns="" val="1"/>
               </p:ext>
             </p:extLst>
           </p:nvPr>
@@ -3236,7 +3259,7 @@
           <p:cNvPr id="1028" name="Picture 4">
             <a:extLst>
               <a:ext uri="{FF2B5EF4-FFF2-40B4-BE49-F238E27FC236}">
-                <a16:creationId xmlns="" xmlns:a16="http://schemas.microsoft.com/office/drawing/2014/main" id="{216D2AE2-BA72-4531-8D21-62F192DCDD79}"/>
+                <a16:creationId xmlns:a16="http://schemas.microsoft.com/office/drawing/2014/main" xmlns="" id="{216D2AE2-BA72-4531-8D21-62F192DCDD79}"/>
               </a:ext>
             </a:extLst>
           </p:cNvPr>
@@ -3283,7 +3306,7 @@
           <p:cNvPr id="10" name="Content Placeholder 2">
             <a:extLst>
               <a:ext uri="{FF2B5EF4-FFF2-40B4-BE49-F238E27FC236}">
-                <a16:creationId xmlns="" xmlns:a16="http://schemas.microsoft.com/office/drawing/2014/main" id="{B35009A5-EF1D-405A-8100-A6148A1A15B2}"/>
+                <a16:creationId xmlns:a16="http://schemas.microsoft.com/office/drawing/2014/main" xmlns="" id="{B35009A5-EF1D-405A-8100-A6148A1A15B2}"/>
               </a:ext>
             </a:extLst>
           </p:cNvPr>
@@ -3326,7 +3349,7 @@
           <p:cNvPr id="11" name="Content Placeholder 2">
             <a:extLst>
               <a:ext uri="{FF2B5EF4-FFF2-40B4-BE49-F238E27FC236}">
-                <a16:creationId xmlns="" xmlns:a16="http://schemas.microsoft.com/office/drawing/2014/main" id="{2741CDA2-6D18-4368-907E-5420DAB97DFC}"/>
+                <a16:creationId xmlns:a16="http://schemas.microsoft.com/office/drawing/2014/main" xmlns="" id="{2741CDA2-6D18-4368-907E-5420DAB97DFC}"/>
               </a:ext>
             </a:extLst>
           </p:cNvPr>
@@ -3817,10 +3840,10 @@
           <p:cNvPr id="9" name="Rectangle 8">
             <a:extLst>
               <a:ext uri="{FF2B5EF4-FFF2-40B4-BE49-F238E27FC236}">
-                <a16:creationId xmlns="" xmlns:a16="http://schemas.microsoft.com/office/drawing/2014/main" id="{9427AF5F-9A0E-42B7-A252-FD64C9885F9C}"/>
+                <a16:creationId xmlns:a16="http://schemas.microsoft.com/office/drawing/2014/main" xmlns="" id="{9427AF5F-9A0E-42B7-A252-FD64C9885F9C}"/>
               </a:ext>
               <a:ext uri="{C183D7F6-B498-43B3-948B-1728B52AA6E4}">
-                <adec:decorative xmlns="" xmlns:adec="http://schemas.microsoft.com/office/drawing/2017/decorative" val="1"/>
+                <adec:decorative xmlns:adec="http://schemas.microsoft.com/office/drawing/2017/decorative" xmlns="" val="1"/>
               </a:ext>
             </a:extLst>
           </p:cNvPr>
@@ -3830,7 +3853,7 @@
           <p:nvPr>
             <p:extLst>
               <p:ext uri="{386F3935-93C4-4BCD-93E2-E3B085C9AB24}">
-                <p16:designElem xmlns="" xmlns:p16="http://schemas.microsoft.com/office/powerpoint/2015/main" val="1"/>
+                <p16:designElem xmlns:p16="http://schemas.microsoft.com/office/powerpoint/2015/main" xmlns="" val="1"/>
               </p:ext>
             </p:extLst>
           </p:nvPr>
@@ -3912,7 +3935,7 @@
           <p:cNvPr id="5" name="Table 6">
             <a:extLst>
               <a:ext uri="{FF2B5EF4-FFF2-40B4-BE49-F238E27FC236}">
-                <a16:creationId xmlns="" xmlns:a16="http://schemas.microsoft.com/office/drawing/2014/main" id="{C5F8B8DE-ACE2-4172-AEB1-4D1EC2ACF55A}"/>
+                <a16:creationId xmlns:a16="http://schemas.microsoft.com/office/drawing/2014/main" xmlns="" id="{C5F8B8DE-ACE2-4172-AEB1-4D1EC2ACF55A}"/>
               </a:ext>
             </a:extLst>
           </p:cNvPr>
@@ -3941,21 +3964,21 @@
                 <a:gridCol w="1702676">
                   <a:extLst>
                     <a:ext uri="{9D8B030D-6E8A-4147-A177-3AD203B41FA5}">
-                      <a16:colId xmlns="" xmlns:a16="http://schemas.microsoft.com/office/drawing/2014/main" val="3616560131"/>
+                      <a16:colId xmlns:a16="http://schemas.microsoft.com/office/drawing/2014/main" xmlns="" val="3616560131"/>
                     </a:ext>
                   </a:extLst>
                 </a:gridCol>
                 <a:gridCol w="1786759">
                   <a:extLst>
                     <a:ext uri="{9D8B030D-6E8A-4147-A177-3AD203B41FA5}">
-                      <a16:colId xmlns="" xmlns:a16="http://schemas.microsoft.com/office/drawing/2014/main" val="216129870"/>
+                      <a16:colId xmlns:a16="http://schemas.microsoft.com/office/drawing/2014/main" xmlns="" val="216129870"/>
                     </a:ext>
                   </a:extLst>
                 </a:gridCol>
                 <a:gridCol w="1804441">
                   <a:extLst>
                     <a:ext uri="{9D8B030D-6E8A-4147-A177-3AD203B41FA5}">
-                      <a16:colId xmlns="" xmlns:a16="http://schemas.microsoft.com/office/drawing/2014/main" val="3361439613"/>
+                      <a16:colId xmlns:a16="http://schemas.microsoft.com/office/drawing/2014/main" xmlns="" val="3361439613"/>
                     </a:ext>
                   </a:extLst>
                 </a:gridCol>
@@ -4017,7 +4040,7 @@
                 </a:tc>
                 <a:extLst>
                   <a:ext uri="{0D108BD9-81ED-4DB2-BD59-A6C34878D82A}">
-                    <a16:rowId xmlns="" xmlns:a16="http://schemas.microsoft.com/office/drawing/2014/main" val="2082544741"/>
+                    <a16:rowId xmlns:a16="http://schemas.microsoft.com/office/drawing/2014/main" xmlns="" val="2082544741"/>
                   </a:ext>
                 </a:extLst>
               </a:tr>
@@ -4066,7 +4089,7 @@
                 </a:tc>
                 <a:extLst>
                   <a:ext uri="{0D108BD9-81ED-4DB2-BD59-A6C34878D82A}">
-                    <a16:rowId xmlns="" xmlns:a16="http://schemas.microsoft.com/office/drawing/2014/main" val="3514538596"/>
+                    <a16:rowId xmlns:a16="http://schemas.microsoft.com/office/drawing/2014/main" xmlns="" val="3514538596"/>
                   </a:ext>
                 </a:extLst>
               </a:tr>
@@ -4115,7 +4138,7 @@
                 </a:tc>
                 <a:extLst>
                   <a:ext uri="{0D108BD9-81ED-4DB2-BD59-A6C34878D82A}">
-                    <a16:rowId xmlns="" xmlns:a16="http://schemas.microsoft.com/office/drawing/2014/main" val="1419208000"/>
+                    <a16:rowId xmlns:a16="http://schemas.microsoft.com/office/drawing/2014/main" xmlns="" val="1419208000"/>
                   </a:ext>
                 </a:extLst>
               </a:tr>
@@ -4176,7 +4199,7 @@
                 </a:tc>
                 <a:extLst>
                   <a:ext uri="{0D108BD9-81ED-4DB2-BD59-A6C34878D82A}">
-                    <a16:rowId xmlns="" xmlns:a16="http://schemas.microsoft.com/office/drawing/2014/main" val="2426875595"/>
+                    <a16:rowId xmlns:a16="http://schemas.microsoft.com/office/drawing/2014/main" xmlns="" val="2426875595"/>
                   </a:ext>
                 </a:extLst>
               </a:tr>
@@ -4225,7 +4248,7 @@
                 </a:tc>
                 <a:extLst>
                   <a:ext uri="{0D108BD9-81ED-4DB2-BD59-A6C34878D82A}">
-                    <a16:rowId xmlns="" xmlns:a16="http://schemas.microsoft.com/office/drawing/2014/main" val="359200869"/>
+                    <a16:rowId xmlns:a16="http://schemas.microsoft.com/office/drawing/2014/main" xmlns="" val="359200869"/>
                   </a:ext>
                 </a:extLst>
               </a:tr>
@@ -4274,7 +4297,7 @@
                 </a:tc>
                 <a:extLst>
                   <a:ext uri="{0D108BD9-81ED-4DB2-BD59-A6C34878D82A}">
-                    <a16:rowId xmlns="" xmlns:a16="http://schemas.microsoft.com/office/drawing/2014/main" val="2941700555"/>
+                    <a16:rowId xmlns:a16="http://schemas.microsoft.com/office/drawing/2014/main" xmlns="" val="2941700555"/>
                   </a:ext>
                 </a:extLst>
               </a:tr>
@@ -4287,7 +4310,7 @@
           <p:cNvPr id="11" name="Table 6">
             <a:extLst>
               <a:ext uri="{FF2B5EF4-FFF2-40B4-BE49-F238E27FC236}">
-                <a16:creationId xmlns="" xmlns:a16="http://schemas.microsoft.com/office/drawing/2014/main" id="{1FBF3A9A-E212-4D80-8490-FDEB30352E35}"/>
+                <a16:creationId xmlns:a16="http://schemas.microsoft.com/office/drawing/2014/main" xmlns="" id="{1FBF3A9A-E212-4D80-8490-FDEB30352E35}"/>
               </a:ext>
             </a:extLst>
           </p:cNvPr>
@@ -4316,21 +4339,21 @@
                 <a:gridCol w="1636109">
                   <a:extLst>
                     <a:ext uri="{9D8B030D-6E8A-4147-A177-3AD203B41FA5}">
-                      <a16:colId xmlns="" xmlns:a16="http://schemas.microsoft.com/office/drawing/2014/main" val="3616560131"/>
+                      <a16:colId xmlns:a16="http://schemas.microsoft.com/office/drawing/2014/main" xmlns="" val="3616560131"/>
                     </a:ext>
                   </a:extLst>
                 </a:gridCol>
                 <a:gridCol w="1752588">
                   <a:extLst>
                     <a:ext uri="{9D8B030D-6E8A-4147-A177-3AD203B41FA5}">
-                      <a16:colId xmlns="" xmlns:a16="http://schemas.microsoft.com/office/drawing/2014/main" val="216129870"/>
+                      <a16:colId xmlns:a16="http://schemas.microsoft.com/office/drawing/2014/main" xmlns="" val="216129870"/>
                     </a:ext>
                   </a:extLst>
                 </a:gridCol>
                 <a:gridCol w="1778579">
                   <a:extLst>
                     <a:ext uri="{9D8B030D-6E8A-4147-A177-3AD203B41FA5}">
-                      <a16:colId xmlns="" xmlns:a16="http://schemas.microsoft.com/office/drawing/2014/main" val="3361439613"/>
+                      <a16:colId xmlns:a16="http://schemas.microsoft.com/office/drawing/2014/main" xmlns="" val="3361439613"/>
                     </a:ext>
                   </a:extLst>
                 </a:gridCol>
@@ -4392,7 +4415,7 @@
                 </a:tc>
                 <a:extLst>
                   <a:ext uri="{0D108BD9-81ED-4DB2-BD59-A6C34878D82A}">
-                    <a16:rowId xmlns="" xmlns:a16="http://schemas.microsoft.com/office/drawing/2014/main" val="2082544741"/>
+                    <a16:rowId xmlns:a16="http://schemas.microsoft.com/office/drawing/2014/main" xmlns="" val="2082544741"/>
                   </a:ext>
                 </a:extLst>
               </a:tr>
@@ -4453,7 +4476,7 @@
                 </a:tc>
                 <a:extLst>
                   <a:ext uri="{0D108BD9-81ED-4DB2-BD59-A6C34878D82A}">
-                    <a16:rowId xmlns="" xmlns:a16="http://schemas.microsoft.com/office/drawing/2014/main" val="3514538596"/>
+                    <a16:rowId xmlns:a16="http://schemas.microsoft.com/office/drawing/2014/main" xmlns="" val="3514538596"/>
                   </a:ext>
                 </a:extLst>
               </a:tr>
@@ -4502,7 +4525,7 @@
                 </a:tc>
                 <a:extLst>
                   <a:ext uri="{0D108BD9-81ED-4DB2-BD59-A6C34878D82A}">
-                    <a16:rowId xmlns="" xmlns:a16="http://schemas.microsoft.com/office/drawing/2014/main" val="1419208000"/>
+                    <a16:rowId xmlns:a16="http://schemas.microsoft.com/office/drawing/2014/main" xmlns="" val="1419208000"/>
                   </a:ext>
                 </a:extLst>
               </a:tr>
@@ -4551,7 +4574,7 @@
                 </a:tc>
                 <a:extLst>
                   <a:ext uri="{0D108BD9-81ED-4DB2-BD59-A6C34878D82A}">
-                    <a16:rowId xmlns="" xmlns:a16="http://schemas.microsoft.com/office/drawing/2014/main" val="2426875595"/>
+                    <a16:rowId xmlns:a16="http://schemas.microsoft.com/office/drawing/2014/main" xmlns="" val="2426875595"/>
                   </a:ext>
                 </a:extLst>
               </a:tr>
@@ -4600,7 +4623,7 @@
                 </a:tc>
                 <a:extLst>
                   <a:ext uri="{0D108BD9-81ED-4DB2-BD59-A6C34878D82A}">
-                    <a16:rowId xmlns="" xmlns:a16="http://schemas.microsoft.com/office/drawing/2014/main" val="359200869"/>
+                    <a16:rowId xmlns:a16="http://schemas.microsoft.com/office/drawing/2014/main" xmlns="" val="359200869"/>
                   </a:ext>
                 </a:extLst>
               </a:tr>
@@ -4649,7 +4672,7 @@
                 </a:tc>
                 <a:extLst>
                   <a:ext uri="{0D108BD9-81ED-4DB2-BD59-A6C34878D82A}">
-                    <a16:rowId xmlns="" xmlns:a16="http://schemas.microsoft.com/office/drawing/2014/main" val="2941700555"/>
+                    <a16:rowId xmlns:a16="http://schemas.microsoft.com/office/drawing/2014/main" xmlns="" val="2941700555"/>
                   </a:ext>
                 </a:extLst>
               </a:tr>
@@ -4662,7 +4685,7 @@
           <p:cNvPr id="7" name="TextBox 6">
             <a:extLst>
               <a:ext uri="{FF2B5EF4-FFF2-40B4-BE49-F238E27FC236}">
-                <a16:creationId xmlns="" xmlns:a16="http://schemas.microsoft.com/office/drawing/2014/main" id="{7ADDF1C7-100C-4990-BEE5-528CFAAC8999}"/>
+                <a16:creationId xmlns:a16="http://schemas.microsoft.com/office/drawing/2014/main" xmlns="" id="{7ADDF1C7-100C-4990-BEE5-528CFAAC8999}"/>
               </a:ext>
             </a:extLst>
           </p:cNvPr>
@@ -4701,7 +4724,7 @@
           <p:cNvPr id="12" name="TextBox 11">
             <a:extLst>
               <a:ext uri="{FF2B5EF4-FFF2-40B4-BE49-F238E27FC236}">
-                <a16:creationId xmlns="" xmlns:a16="http://schemas.microsoft.com/office/drawing/2014/main" id="{E485384D-0944-440A-85D7-22F2A2ED1651}"/>
+                <a16:creationId xmlns:a16="http://schemas.microsoft.com/office/drawing/2014/main" xmlns="" id="{E485384D-0944-440A-85D7-22F2A2ED1651}"/>
               </a:ext>
             </a:extLst>
           </p:cNvPr>
@@ -4740,7 +4763,7 @@
           <p:cNvPr id="15" name="Connector: Elbow 14">
             <a:extLst>
               <a:ext uri="{FF2B5EF4-FFF2-40B4-BE49-F238E27FC236}">
-                <a16:creationId xmlns="" xmlns:a16="http://schemas.microsoft.com/office/drawing/2014/main" id="{52686659-9852-48E4-BCB1-1DC5B74991F9}"/>
+                <a16:creationId xmlns:a16="http://schemas.microsoft.com/office/drawing/2014/main" xmlns="" id="{52686659-9852-48E4-BCB1-1DC5B74991F9}"/>
               </a:ext>
             </a:extLst>
           </p:cNvPr>
@@ -4848,7 +4871,7 @@
           <p:cNvPr id="6" name="Picture 5">
             <a:extLst>
               <a:ext uri="{FF2B5EF4-FFF2-40B4-BE49-F238E27FC236}">
-                <a16:creationId xmlns="" xmlns:a16="http://schemas.microsoft.com/office/drawing/2014/main" id="{AD36B786-3185-461A-B866-A4E6A8CDFBAD}"/>
+                <a16:creationId xmlns:a16="http://schemas.microsoft.com/office/drawing/2014/main" xmlns="" id="{AD36B786-3185-461A-B866-A4E6A8CDFBAD}"/>
               </a:ext>
             </a:extLst>
           </p:cNvPr>
@@ -5019,7 +5042,7 @@
           <p:cNvPr id="6" name="Picture 5">
             <a:extLst>
               <a:ext uri="{FF2B5EF4-FFF2-40B4-BE49-F238E27FC236}">
-                <a16:creationId xmlns="" xmlns:a16="http://schemas.microsoft.com/office/drawing/2014/main" id="{8DD70B85-CB1A-4FBA-9A63-F60ABF4ABBB9}"/>
+                <a16:creationId xmlns:a16="http://schemas.microsoft.com/office/drawing/2014/main" xmlns="" id="{8DD70B85-CB1A-4FBA-9A63-F60ABF4ABBB9}"/>
               </a:ext>
             </a:extLst>
           </p:cNvPr>
@@ -5086,7 +5109,7 @@
           <p:cNvPr id="2" name="Title 1">
             <a:extLst>
               <a:ext uri="{FF2B5EF4-FFF2-40B4-BE49-F238E27FC236}">
-                <a16:creationId xmlns="" xmlns:a16="http://schemas.microsoft.com/office/drawing/2014/main" id="{22F846B4-C45B-4F21-95A8-D24D0C289B8E}"/>
+                <a16:creationId xmlns:a16="http://schemas.microsoft.com/office/drawing/2014/main" xmlns="" id="{22F846B4-C45B-4F21-95A8-D24D0C289B8E}"/>
               </a:ext>
             </a:extLst>
           </p:cNvPr>
@@ -5163,7 +5186,7 @@
           <p:cNvPr id="9" name="Table 8">
             <a:extLst>
               <a:ext uri="{FF2B5EF4-FFF2-40B4-BE49-F238E27FC236}">
-                <a16:creationId xmlns="" xmlns:a16="http://schemas.microsoft.com/office/drawing/2014/main" id="{57FD9571-D3F6-4C59-839D-29730DAB8875}"/>
+                <a16:creationId xmlns:a16="http://schemas.microsoft.com/office/drawing/2014/main" xmlns="" id="{57FD9571-D3F6-4C59-839D-29730DAB8875}"/>
               </a:ext>
             </a:extLst>
           </p:cNvPr>
@@ -5190,42 +5213,42 @@
                 <a:gridCol w="917354">
                   <a:extLst>
                     <a:ext uri="{9D8B030D-6E8A-4147-A177-3AD203B41FA5}">
-                      <a16:colId xmlns="" xmlns:a16="http://schemas.microsoft.com/office/drawing/2014/main" val="3816983793"/>
+                      <a16:colId xmlns:a16="http://schemas.microsoft.com/office/drawing/2014/main" xmlns="" val="3816983793"/>
                     </a:ext>
                   </a:extLst>
                 </a:gridCol>
                 <a:gridCol w="711876">
                   <a:extLst>
                     <a:ext uri="{9D8B030D-6E8A-4147-A177-3AD203B41FA5}">
-                      <a16:colId xmlns="" xmlns:a16="http://schemas.microsoft.com/office/drawing/2014/main" val="1834063820"/>
+                      <a16:colId xmlns:a16="http://schemas.microsoft.com/office/drawing/2014/main" xmlns="" val="1834063820"/>
                     </a:ext>
                   </a:extLst>
                 </a:gridCol>
                 <a:gridCol w="1268925">
                   <a:extLst>
                     <a:ext uri="{9D8B030D-6E8A-4147-A177-3AD203B41FA5}">
-                      <a16:colId xmlns="" xmlns:a16="http://schemas.microsoft.com/office/drawing/2014/main" val="2917375977"/>
+                      <a16:colId xmlns:a16="http://schemas.microsoft.com/office/drawing/2014/main" xmlns="" val="2917375977"/>
                     </a:ext>
                   </a:extLst>
                 </a:gridCol>
                 <a:gridCol w="771261">
                   <a:extLst>
                     <a:ext uri="{9D8B030D-6E8A-4147-A177-3AD203B41FA5}">
-                      <a16:colId xmlns="" xmlns:a16="http://schemas.microsoft.com/office/drawing/2014/main" val="2846679630"/>
+                      <a16:colId xmlns:a16="http://schemas.microsoft.com/office/drawing/2014/main" xmlns="" val="2846679630"/>
                     </a:ext>
                   </a:extLst>
                 </a:gridCol>
                 <a:gridCol w="706806">
                   <a:extLst>
                     <a:ext uri="{9D8B030D-6E8A-4147-A177-3AD203B41FA5}">
-                      <a16:colId xmlns="" xmlns:a16="http://schemas.microsoft.com/office/drawing/2014/main" val="2175530595"/>
+                      <a16:colId xmlns:a16="http://schemas.microsoft.com/office/drawing/2014/main" xmlns="" val="2175530595"/>
                     </a:ext>
                   </a:extLst>
                 </a:gridCol>
                 <a:gridCol w="1127900">
                   <a:extLst>
                     <a:ext uri="{9D8B030D-6E8A-4147-A177-3AD203B41FA5}">
-                      <a16:colId xmlns="" xmlns:a16="http://schemas.microsoft.com/office/drawing/2014/main" val="1465582874"/>
+                      <a16:colId xmlns:a16="http://schemas.microsoft.com/office/drawing/2014/main" xmlns="" val="1465582874"/>
                     </a:ext>
                   </a:extLst>
                 </a:gridCol>
@@ -5431,7 +5454,7 @@
                 </a:tc>
                 <a:extLst>
                   <a:ext uri="{0D108BD9-81ED-4DB2-BD59-A6C34878D82A}">
-                    <a16:rowId xmlns="" xmlns:a16="http://schemas.microsoft.com/office/drawing/2014/main" val="2568764067"/>
+                    <a16:rowId xmlns:a16="http://schemas.microsoft.com/office/drawing/2014/main" xmlns="" val="2568764067"/>
                   </a:ext>
                 </a:extLst>
               </a:tr>
@@ -5636,7 +5659,7 @@
                 </a:tc>
                 <a:extLst>
                   <a:ext uri="{0D108BD9-81ED-4DB2-BD59-A6C34878D82A}">
-                    <a16:rowId xmlns="" xmlns:a16="http://schemas.microsoft.com/office/drawing/2014/main" val="483696876"/>
+                    <a16:rowId xmlns:a16="http://schemas.microsoft.com/office/drawing/2014/main" xmlns="" val="483696876"/>
                   </a:ext>
                 </a:extLst>
               </a:tr>
@@ -5841,7 +5864,7 @@
                 </a:tc>
                 <a:extLst>
                   <a:ext uri="{0D108BD9-81ED-4DB2-BD59-A6C34878D82A}">
-                    <a16:rowId xmlns="" xmlns:a16="http://schemas.microsoft.com/office/drawing/2014/main" val="1465499325"/>
+                    <a16:rowId xmlns:a16="http://schemas.microsoft.com/office/drawing/2014/main" xmlns="" val="1465499325"/>
                   </a:ext>
                 </a:extLst>
               </a:tr>
@@ -6046,7 +6069,7 @@
                 </a:tc>
                 <a:extLst>
                   <a:ext uri="{0D108BD9-81ED-4DB2-BD59-A6C34878D82A}">
-                    <a16:rowId xmlns="" xmlns:a16="http://schemas.microsoft.com/office/drawing/2014/main" val="2501328286"/>
+                    <a16:rowId xmlns:a16="http://schemas.microsoft.com/office/drawing/2014/main" xmlns="" val="2501328286"/>
                   </a:ext>
                 </a:extLst>
               </a:tr>
@@ -6251,7 +6274,7 @@
                 </a:tc>
                 <a:extLst>
                   <a:ext uri="{0D108BD9-81ED-4DB2-BD59-A6C34878D82A}">
-                    <a16:rowId xmlns="" xmlns:a16="http://schemas.microsoft.com/office/drawing/2014/main" val="508837398"/>
+                    <a16:rowId xmlns:a16="http://schemas.microsoft.com/office/drawing/2014/main" xmlns="" val="508837398"/>
                   </a:ext>
                 </a:extLst>
               </a:tr>
@@ -6456,7 +6479,7 @@
                 </a:tc>
                 <a:extLst>
                   <a:ext uri="{0D108BD9-81ED-4DB2-BD59-A6C34878D82A}">
-                    <a16:rowId xmlns="" xmlns:a16="http://schemas.microsoft.com/office/drawing/2014/main" val="2721140382"/>
+                    <a16:rowId xmlns:a16="http://schemas.microsoft.com/office/drawing/2014/main" xmlns="" val="2721140382"/>
                   </a:ext>
                 </a:extLst>
               </a:tr>
@@ -6661,7 +6684,7 @@
                 </a:tc>
                 <a:extLst>
                   <a:ext uri="{0D108BD9-81ED-4DB2-BD59-A6C34878D82A}">
-                    <a16:rowId xmlns="" xmlns:a16="http://schemas.microsoft.com/office/drawing/2014/main" val="632986556"/>
+                    <a16:rowId xmlns:a16="http://schemas.microsoft.com/office/drawing/2014/main" xmlns="" val="632986556"/>
                   </a:ext>
                 </a:extLst>
               </a:tr>
@@ -6866,7 +6889,7 @@
                 </a:tc>
                 <a:extLst>
                   <a:ext uri="{0D108BD9-81ED-4DB2-BD59-A6C34878D82A}">
-                    <a16:rowId xmlns="" xmlns:a16="http://schemas.microsoft.com/office/drawing/2014/main" val="1732550119"/>
+                    <a16:rowId xmlns:a16="http://schemas.microsoft.com/office/drawing/2014/main" xmlns="" val="1732550119"/>
                   </a:ext>
                 </a:extLst>
               </a:tr>
@@ -7071,7 +7094,7 @@
                 </a:tc>
                 <a:extLst>
                   <a:ext uri="{0D108BD9-81ED-4DB2-BD59-A6C34878D82A}">
-                    <a16:rowId xmlns="" xmlns:a16="http://schemas.microsoft.com/office/drawing/2014/main" val="1726433791"/>
+                    <a16:rowId xmlns:a16="http://schemas.microsoft.com/office/drawing/2014/main" xmlns="" val="1726433791"/>
                   </a:ext>
                 </a:extLst>
               </a:tr>
@@ -7276,7 +7299,7 @@
                 </a:tc>
                 <a:extLst>
                   <a:ext uri="{0D108BD9-81ED-4DB2-BD59-A6C34878D82A}">
-                    <a16:rowId xmlns="" xmlns:a16="http://schemas.microsoft.com/office/drawing/2014/main" val="3986018047"/>
+                    <a16:rowId xmlns:a16="http://schemas.microsoft.com/office/drawing/2014/main" xmlns="" val="3986018047"/>
                   </a:ext>
                 </a:extLst>
               </a:tr>
@@ -7481,7 +7504,7 @@
                 </a:tc>
                 <a:extLst>
                   <a:ext uri="{0D108BD9-81ED-4DB2-BD59-A6C34878D82A}">
-                    <a16:rowId xmlns="" xmlns:a16="http://schemas.microsoft.com/office/drawing/2014/main" val="125021772"/>
+                    <a16:rowId xmlns:a16="http://schemas.microsoft.com/office/drawing/2014/main" xmlns="" val="125021772"/>
                   </a:ext>
                 </a:extLst>
               </a:tr>
@@ -7686,7 +7709,7 @@
                 </a:tc>
                 <a:extLst>
                   <a:ext uri="{0D108BD9-81ED-4DB2-BD59-A6C34878D82A}">
-                    <a16:rowId xmlns="" xmlns:a16="http://schemas.microsoft.com/office/drawing/2014/main" val="1620113814"/>
+                    <a16:rowId xmlns:a16="http://schemas.microsoft.com/office/drawing/2014/main" xmlns="" val="1620113814"/>
                   </a:ext>
                 </a:extLst>
               </a:tr>
@@ -7891,7 +7914,7 @@
                 </a:tc>
                 <a:extLst>
                   <a:ext uri="{0D108BD9-81ED-4DB2-BD59-A6C34878D82A}">
-                    <a16:rowId xmlns="" xmlns:a16="http://schemas.microsoft.com/office/drawing/2014/main" val="1417475382"/>
+                    <a16:rowId xmlns:a16="http://schemas.microsoft.com/office/drawing/2014/main" xmlns="" val="1417475382"/>
                   </a:ext>
                 </a:extLst>
               </a:tr>
@@ -8096,7 +8119,7 @@
                 </a:tc>
                 <a:extLst>
                   <a:ext uri="{0D108BD9-81ED-4DB2-BD59-A6C34878D82A}">
-                    <a16:rowId xmlns="" xmlns:a16="http://schemas.microsoft.com/office/drawing/2014/main" val="4228098043"/>
+                    <a16:rowId xmlns:a16="http://schemas.microsoft.com/office/drawing/2014/main" xmlns="" val="4228098043"/>
                   </a:ext>
                 </a:extLst>
               </a:tr>
@@ -8301,7 +8324,7 @@
                 </a:tc>
                 <a:extLst>
                   <a:ext uri="{0D108BD9-81ED-4DB2-BD59-A6C34878D82A}">
-                    <a16:rowId xmlns="" xmlns:a16="http://schemas.microsoft.com/office/drawing/2014/main" val="910444198"/>
+                    <a16:rowId xmlns:a16="http://schemas.microsoft.com/office/drawing/2014/main" xmlns="" val="910444198"/>
                   </a:ext>
                 </a:extLst>
               </a:tr>
@@ -8506,7 +8529,7 @@
                 </a:tc>
                 <a:extLst>
                   <a:ext uri="{0D108BD9-81ED-4DB2-BD59-A6C34878D82A}">
-                    <a16:rowId xmlns="" xmlns:a16="http://schemas.microsoft.com/office/drawing/2014/main" val="1321208232"/>
+                    <a16:rowId xmlns:a16="http://schemas.microsoft.com/office/drawing/2014/main" xmlns="" val="1321208232"/>
                   </a:ext>
                 </a:extLst>
               </a:tr>
@@ -8711,7 +8734,7 @@
                 </a:tc>
                 <a:extLst>
                   <a:ext uri="{0D108BD9-81ED-4DB2-BD59-A6C34878D82A}">
-                    <a16:rowId xmlns="" xmlns:a16="http://schemas.microsoft.com/office/drawing/2014/main" val="931076979"/>
+                    <a16:rowId xmlns:a16="http://schemas.microsoft.com/office/drawing/2014/main" xmlns="" val="931076979"/>
                   </a:ext>
                 </a:extLst>
               </a:tr>
@@ -8916,7 +8939,7 @@
                 </a:tc>
                 <a:extLst>
                   <a:ext uri="{0D108BD9-81ED-4DB2-BD59-A6C34878D82A}">
-                    <a16:rowId xmlns="" xmlns:a16="http://schemas.microsoft.com/office/drawing/2014/main" val="1314321663"/>
+                    <a16:rowId xmlns:a16="http://schemas.microsoft.com/office/drawing/2014/main" xmlns="" val="1314321663"/>
                   </a:ext>
                 </a:extLst>
               </a:tr>
@@ -9121,7 +9144,7 @@
                 </a:tc>
                 <a:extLst>
                   <a:ext uri="{0D108BD9-81ED-4DB2-BD59-A6C34878D82A}">
-                    <a16:rowId xmlns="" xmlns:a16="http://schemas.microsoft.com/office/drawing/2014/main" val="163459963"/>
+                    <a16:rowId xmlns:a16="http://schemas.microsoft.com/office/drawing/2014/main" xmlns="" val="163459963"/>
                   </a:ext>
                 </a:extLst>
               </a:tr>
@@ -9326,7 +9349,7 @@
                 </a:tc>
                 <a:extLst>
                   <a:ext uri="{0D108BD9-81ED-4DB2-BD59-A6C34878D82A}">
-                    <a16:rowId xmlns="" xmlns:a16="http://schemas.microsoft.com/office/drawing/2014/main" val="371611955"/>
+                    <a16:rowId xmlns:a16="http://schemas.microsoft.com/office/drawing/2014/main" xmlns="" val="371611955"/>
                   </a:ext>
                 </a:extLst>
               </a:tr>
@@ -9531,7 +9554,7 @@
                 </a:tc>
                 <a:extLst>
                   <a:ext uri="{0D108BD9-81ED-4DB2-BD59-A6C34878D82A}">
-                    <a16:rowId xmlns="" xmlns:a16="http://schemas.microsoft.com/office/drawing/2014/main" val="2206129101"/>
+                    <a16:rowId xmlns:a16="http://schemas.microsoft.com/office/drawing/2014/main" xmlns="" val="2206129101"/>
                   </a:ext>
                 </a:extLst>
               </a:tr>
@@ -9736,7 +9759,7 @@
                 </a:tc>
                 <a:extLst>
                   <a:ext uri="{0D108BD9-81ED-4DB2-BD59-A6C34878D82A}">
-                    <a16:rowId xmlns="" xmlns:a16="http://schemas.microsoft.com/office/drawing/2014/main" val="4257569764"/>
+                    <a16:rowId xmlns:a16="http://schemas.microsoft.com/office/drawing/2014/main" xmlns="" val="4257569764"/>
                   </a:ext>
                 </a:extLst>
               </a:tr>
@@ -9941,7 +9964,7 @@
                 </a:tc>
                 <a:extLst>
                   <a:ext uri="{0D108BD9-81ED-4DB2-BD59-A6C34878D82A}">
-                    <a16:rowId xmlns="" xmlns:a16="http://schemas.microsoft.com/office/drawing/2014/main" val="4279820348"/>
+                    <a16:rowId xmlns:a16="http://schemas.microsoft.com/office/drawing/2014/main" xmlns="" val="4279820348"/>
                   </a:ext>
                 </a:extLst>
               </a:tr>
@@ -10146,7 +10169,7 @@
                 </a:tc>
                 <a:extLst>
                   <a:ext uri="{0D108BD9-81ED-4DB2-BD59-A6C34878D82A}">
-                    <a16:rowId xmlns="" xmlns:a16="http://schemas.microsoft.com/office/drawing/2014/main" val="2834209820"/>
+                    <a16:rowId xmlns:a16="http://schemas.microsoft.com/office/drawing/2014/main" xmlns="" val="2834209820"/>
                   </a:ext>
                 </a:extLst>
               </a:tr>
@@ -10351,7 +10374,7 @@
                 </a:tc>
                 <a:extLst>
                   <a:ext uri="{0D108BD9-81ED-4DB2-BD59-A6C34878D82A}">
-                    <a16:rowId xmlns="" xmlns:a16="http://schemas.microsoft.com/office/drawing/2014/main" val="2282022722"/>
+                    <a16:rowId xmlns:a16="http://schemas.microsoft.com/office/drawing/2014/main" xmlns="" val="2282022722"/>
                   </a:ext>
                 </a:extLst>
               </a:tr>
@@ -10556,7 +10579,7 @@
                 </a:tc>
                 <a:extLst>
                   <a:ext uri="{0D108BD9-81ED-4DB2-BD59-A6C34878D82A}">
-                    <a16:rowId xmlns="" xmlns:a16="http://schemas.microsoft.com/office/drawing/2014/main" val="1106103342"/>
+                    <a16:rowId xmlns:a16="http://schemas.microsoft.com/office/drawing/2014/main" xmlns="" val="1106103342"/>
                   </a:ext>
                 </a:extLst>
               </a:tr>
@@ -10752,7 +10775,7 @@
                 </a:tc>
                 <a:extLst>
                   <a:ext uri="{0D108BD9-81ED-4DB2-BD59-A6C34878D82A}">
-                    <a16:rowId xmlns="" xmlns:a16="http://schemas.microsoft.com/office/drawing/2014/main" val="3702945504"/>
+                    <a16:rowId xmlns:a16="http://schemas.microsoft.com/office/drawing/2014/main" xmlns="" val="3702945504"/>
                   </a:ext>
                 </a:extLst>
               </a:tr>
@@ -10765,7 +10788,7 @@
           <p:cNvPr id="12" name="Title 1">
             <a:extLst>
               <a:ext uri="{FF2B5EF4-FFF2-40B4-BE49-F238E27FC236}">
-                <a16:creationId xmlns="" xmlns:a16="http://schemas.microsoft.com/office/drawing/2014/main" id="{1DBB7B97-F03E-4317-AF5B-57054C612C32}"/>
+                <a16:creationId xmlns:a16="http://schemas.microsoft.com/office/drawing/2014/main" xmlns="" id="{1DBB7B97-F03E-4317-AF5B-57054C612C32}"/>
               </a:ext>
             </a:extLst>
           </p:cNvPr>
@@ -10969,10 +10992,10 @@
           <p:cNvPr id="9" name="Rectangle 8">
             <a:extLst>
               <a:ext uri="{FF2B5EF4-FFF2-40B4-BE49-F238E27FC236}">
-                <a16:creationId xmlns="" xmlns:a16="http://schemas.microsoft.com/office/drawing/2014/main" id="{9427AF5F-9A0E-42B7-A252-FD64C9885F9C}"/>
+                <a16:creationId xmlns:a16="http://schemas.microsoft.com/office/drawing/2014/main" xmlns="" id="{9427AF5F-9A0E-42B7-A252-FD64C9885F9C}"/>
               </a:ext>
               <a:ext uri="{C183D7F6-B498-43B3-948B-1728B52AA6E4}">
-                <adec:decorative xmlns="" xmlns:adec="http://schemas.microsoft.com/office/drawing/2017/decorative" val="1"/>
+                <adec:decorative xmlns:adec="http://schemas.microsoft.com/office/drawing/2017/decorative" xmlns="" val="1"/>
               </a:ext>
             </a:extLst>
           </p:cNvPr>
@@ -10982,7 +11005,7 @@
           <p:nvPr>
             <p:extLst>
               <p:ext uri="{386F3935-93C4-4BCD-93E2-E3B085C9AB24}">
-                <p16:designElem xmlns="" xmlns:p16="http://schemas.microsoft.com/office/powerpoint/2015/main" val="1"/>
+                <p16:designElem xmlns:p16="http://schemas.microsoft.com/office/powerpoint/2015/main" xmlns="" val="1"/>
               </p:ext>
             </p:extLst>
           </p:nvPr>
@@ -11064,7 +11087,7 @@
           <p:cNvPr id="2050" name="Picture 2">
             <a:extLst>
               <a:ext uri="{FF2B5EF4-FFF2-40B4-BE49-F238E27FC236}">
-                <a16:creationId xmlns="" xmlns:a16="http://schemas.microsoft.com/office/drawing/2014/main" id="{083FEEAC-1535-4BFD-BC21-C1E0667710DF}"/>
+                <a16:creationId xmlns:a16="http://schemas.microsoft.com/office/drawing/2014/main" xmlns="" id="{083FEEAC-1535-4BFD-BC21-C1E0667710DF}"/>
               </a:ext>
             </a:extLst>
           </p:cNvPr>
@@ -11111,7 +11134,7 @@
           <p:cNvPr id="13" name="TextBox 12">
             <a:extLst>
               <a:ext uri="{FF2B5EF4-FFF2-40B4-BE49-F238E27FC236}">
-                <a16:creationId xmlns="" xmlns:a16="http://schemas.microsoft.com/office/drawing/2014/main" id="{E95DAB44-1C56-4B18-B55E-9FCEBFD98B58}"/>
+                <a16:creationId xmlns:a16="http://schemas.microsoft.com/office/drawing/2014/main" xmlns="" id="{E95DAB44-1C56-4B18-B55E-9FCEBFD98B58}"/>
               </a:ext>
             </a:extLst>
           </p:cNvPr>
@@ -11176,7 +11199,7 @@
           <p:cNvPr id="2" name="Title 1">
             <a:extLst>
               <a:ext uri="{FF2B5EF4-FFF2-40B4-BE49-F238E27FC236}">
-                <a16:creationId xmlns="" xmlns:a16="http://schemas.microsoft.com/office/drawing/2014/main" id="{17713952-F892-4C5B-9113-DE603E17FEA5}"/>
+                <a16:creationId xmlns:a16="http://schemas.microsoft.com/office/drawing/2014/main" xmlns="" id="{17713952-F892-4C5B-9113-DE603E17FEA5}"/>
               </a:ext>
             </a:extLst>
           </p:cNvPr>
@@ -11217,7 +11240,7 @@
           <p:cNvPr id="5" name="Picture 4">
             <a:extLst>
               <a:ext uri="{FF2B5EF4-FFF2-40B4-BE49-F238E27FC236}">
-                <a16:creationId xmlns="" xmlns:a16="http://schemas.microsoft.com/office/drawing/2014/main" id="{121A30CB-851A-48C9-9242-28E046F25E4D}"/>
+                <a16:creationId xmlns:a16="http://schemas.microsoft.com/office/drawing/2014/main" xmlns="" id="{121A30CB-851A-48C9-9242-28E046F25E4D}"/>
               </a:ext>
             </a:extLst>
           </p:cNvPr>
@@ -11247,7 +11270,7 @@
           <p:cNvPr id="6" name="TextBox 5">
             <a:extLst>
               <a:ext uri="{FF2B5EF4-FFF2-40B4-BE49-F238E27FC236}">
-                <a16:creationId xmlns="" xmlns:a16="http://schemas.microsoft.com/office/drawing/2014/main" id="{73BDC926-15F2-4F88-8BB5-EA773C8893EF}"/>
+                <a16:creationId xmlns:a16="http://schemas.microsoft.com/office/drawing/2014/main" xmlns="" id="{73BDC926-15F2-4F88-8BB5-EA773C8893EF}"/>
               </a:ext>
             </a:extLst>
           </p:cNvPr>
@@ -11282,7 +11305,7 @@
           <p:cNvPr id="7" name="Table 6">
             <a:extLst>
               <a:ext uri="{FF2B5EF4-FFF2-40B4-BE49-F238E27FC236}">
-                <a16:creationId xmlns="" xmlns:a16="http://schemas.microsoft.com/office/drawing/2014/main" id="{EB70325A-68FF-4598-A21C-13037CB858FF}"/>
+                <a16:creationId xmlns:a16="http://schemas.microsoft.com/office/drawing/2014/main" xmlns="" id="{EB70325A-68FF-4598-A21C-13037CB858FF}"/>
               </a:ext>
             </a:extLst>
           </p:cNvPr>
@@ -11309,28 +11332,28 @@
                 <a:gridCol w="457449">
                   <a:extLst>
                     <a:ext uri="{9D8B030D-6E8A-4147-A177-3AD203B41FA5}">
-                      <a16:colId xmlns="" xmlns:a16="http://schemas.microsoft.com/office/drawing/2014/main" val="173892036"/>
+                      <a16:colId xmlns:a16="http://schemas.microsoft.com/office/drawing/2014/main" xmlns="" val="173892036"/>
                     </a:ext>
                   </a:extLst>
                 </a:gridCol>
                 <a:gridCol w="562750">
                   <a:extLst>
                     <a:ext uri="{9D8B030D-6E8A-4147-A177-3AD203B41FA5}">
-                      <a16:colId xmlns="" xmlns:a16="http://schemas.microsoft.com/office/drawing/2014/main" val="535764618"/>
+                      <a16:colId xmlns:a16="http://schemas.microsoft.com/office/drawing/2014/main" xmlns="" val="535764618"/>
                     </a:ext>
                   </a:extLst>
                 </a:gridCol>
                 <a:gridCol w="486866">
                   <a:extLst>
                     <a:ext uri="{9D8B030D-6E8A-4147-A177-3AD203B41FA5}">
-                      <a16:colId xmlns="" xmlns:a16="http://schemas.microsoft.com/office/drawing/2014/main" val="3247593959"/>
+                      <a16:colId xmlns:a16="http://schemas.microsoft.com/office/drawing/2014/main" xmlns="" val="3247593959"/>
                     </a:ext>
                   </a:extLst>
                 </a:gridCol>
                 <a:gridCol w="1097636">
                   <a:extLst>
                     <a:ext uri="{9D8B030D-6E8A-4147-A177-3AD203B41FA5}">
-                      <a16:colId xmlns="" xmlns:a16="http://schemas.microsoft.com/office/drawing/2014/main" val="1408289301"/>
+                      <a16:colId xmlns:a16="http://schemas.microsoft.com/office/drawing/2014/main" xmlns="" val="1408289301"/>
                     </a:ext>
                   </a:extLst>
                 </a:gridCol>
@@ -11470,7 +11493,7 @@
                 </a:tc>
                 <a:extLst>
                   <a:ext uri="{0D108BD9-81ED-4DB2-BD59-A6C34878D82A}">
-                    <a16:rowId xmlns="" xmlns:a16="http://schemas.microsoft.com/office/drawing/2014/main" val="1695406547"/>
+                    <a16:rowId xmlns:a16="http://schemas.microsoft.com/office/drawing/2014/main" xmlns="" val="1695406547"/>
                   </a:ext>
                 </a:extLst>
               </a:tr>
@@ -11609,7 +11632,7 @@
                 </a:tc>
                 <a:extLst>
                   <a:ext uri="{0D108BD9-81ED-4DB2-BD59-A6C34878D82A}">
-                    <a16:rowId xmlns="" xmlns:a16="http://schemas.microsoft.com/office/drawing/2014/main" val="3453842224"/>
+                    <a16:rowId xmlns:a16="http://schemas.microsoft.com/office/drawing/2014/main" xmlns="" val="3453842224"/>
                   </a:ext>
                 </a:extLst>
               </a:tr>
@@ -11748,7 +11771,7 @@
                 </a:tc>
                 <a:extLst>
                   <a:ext uri="{0D108BD9-81ED-4DB2-BD59-A6C34878D82A}">
-                    <a16:rowId xmlns="" xmlns:a16="http://schemas.microsoft.com/office/drawing/2014/main" val="538588387"/>
+                    <a16:rowId xmlns:a16="http://schemas.microsoft.com/office/drawing/2014/main" xmlns="" val="538588387"/>
                   </a:ext>
                 </a:extLst>
               </a:tr>
@@ -11887,7 +11910,7 @@
                 </a:tc>
                 <a:extLst>
                   <a:ext uri="{0D108BD9-81ED-4DB2-BD59-A6C34878D82A}">
-                    <a16:rowId xmlns="" xmlns:a16="http://schemas.microsoft.com/office/drawing/2014/main" val="2250562399"/>
+                    <a16:rowId xmlns:a16="http://schemas.microsoft.com/office/drawing/2014/main" xmlns="" val="2250562399"/>
                   </a:ext>
                 </a:extLst>
               </a:tr>
@@ -12026,7 +12049,7 @@
                 </a:tc>
                 <a:extLst>
                   <a:ext uri="{0D108BD9-81ED-4DB2-BD59-A6C34878D82A}">
-                    <a16:rowId xmlns="" xmlns:a16="http://schemas.microsoft.com/office/drawing/2014/main" val="1973006910"/>
+                    <a16:rowId xmlns:a16="http://schemas.microsoft.com/office/drawing/2014/main" xmlns="" val="1973006910"/>
                   </a:ext>
                 </a:extLst>
               </a:tr>
@@ -12165,7 +12188,7 @@
                 </a:tc>
                 <a:extLst>
                   <a:ext uri="{0D108BD9-81ED-4DB2-BD59-A6C34878D82A}">
-                    <a16:rowId xmlns="" xmlns:a16="http://schemas.microsoft.com/office/drawing/2014/main" val="1585683717"/>
+                    <a16:rowId xmlns:a16="http://schemas.microsoft.com/office/drawing/2014/main" xmlns="" val="1585683717"/>
                   </a:ext>
                 </a:extLst>
               </a:tr>
@@ -12304,7 +12327,7 @@
                 </a:tc>
                 <a:extLst>
                   <a:ext uri="{0D108BD9-81ED-4DB2-BD59-A6C34878D82A}">
-                    <a16:rowId xmlns="" xmlns:a16="http://schemas.microsoft.com/office/drawing/2014/main" val="811308559"/>
+                    <a16:rowId xmlns:a16="http://schemas.microsoft.com/office/drawing/2014/main" xmlns="" val="811308559"/>
                   </a:ext>
                 </a:extLst>
               </a:tr>
@@ -12443,7 +12466,7 @@
                 </a:tc>
                 <a:extLst>
                   <a:ext uri="{0D108BD9-81ED-4DB2-BD59-A6C34878D82A}">
-                    <a16:rowId xmlns="" xmlns:a16="http://schemas.microsoft.com/office/drawing/2014/main" val="535261059"/>
+                    <a16:rowId xmlns:a16="http://schemas.microsoft.com/office/drawing/2014/main" xmlns="" val="535261059"/>
                   </a:ext>
                 </a:extLst>
               </a:tr>
@@ -12582,7 +12605,7 @@
                 </a:tc>
                 <a:extLst>
                   <a:ext uri="{0D108BD9-81ED-4DB2-BD59-A6C34878D82A}">
-                    <a16:rowId xmlns="" xmlns:a16="http://schemas.microsoft.com/office/drawing/2014/main" val="2924566493"/>
+                    <a16:rowId xmlns:a16="http://schemas.microsoft.com/office/drawing/2014/main" xmlns="" val="2924566493"/>
                   </a:ext>
                 </a:extLst>
               </a:tr>
@@ -12721,7 +12744,7 @@
                 </a:tc>
                 <a:extLst>
                   <a:ext uri="{0D108BD9-81ED-4DB2-BD59-A6C34878D82A}">
-                    <a16:rowId xmlns="" xmlns:a16="http://schemas.microsoft.com/office/drawing/2014/main" val="432688975"/>
+                    <a16:rowId xmlns:a16="http://schemas.microsoft.com/office/drawing/2014/main" xmlns="" val="432688975"/>
                   </a:ext>
                 </a:extLst>
               </a:tr>
@@ -12860,7 +12883,7 @@
                 </a:tc>
                 <a:extLst>
                   <a:ext uri="{0D108BD9-81ED-4DB2-BD59-A6C34878D82A}">
-                    <a16:rowId xmlns="" xmlns:a16="http://schemas.microsoft.com/office/drawing/2014/main" val="3865237262"/>
+                    <a16:rowId xmlns:a16="http://schemas.microsoft.com/office/drawing/2014/main" xmlns="" val="3865237262"/>
                   </a:ext>
                 </a:extLst>
               </a:tr>
@@ -12999,7 +13022,7 @@
                 </a:tc>
                 <a:extLst>
                   <a:ext uri="{0D108BD9-81ED-4DB2-BD59-A6C34878D82A}">
-                    <a16:rowId xmlns="" xmlns:a16="http://schemas.microsoft.com/office/drawing/2014/main" val="4152175108"/>
+                    <a16:rowId xmlns:a16="http://schemas.microsoft.com/office/drawing/2014/main" xmlns="" val="4152175108"/>
                   </a:ext>
                 </a:extLst>
               </a:tr>
@@ -13138,7 +13161,7 @@
                 </a:tc>
                 <a:extLst>
                   <a:ext uri="{0D108BD9-81ED-4DB2-BD59-A6C34878D82A}">
-                    <a16:rowId xmlns="" xmlns:a16="http://schemas.microsoft.com/office/drawing/2014/main" val="1459601517"/>
+                    <a16:rowId xmlns:a16="http://schemas.microsoft.com/office/drawing/2014/main" xmlns="" val="1459601517"/>
                   </a:ext>
                 </a:extLst>
               </a:tr>
@@ -13277,7 +13300,7 @@
                 </a:tc>
                 <a:extLst>
                   <a:ext uri="{0D108BD9-81ED-4DB2-BD59-A6C34878D82A}">
-                    <a16:rowId xmlns="" xmlns:a16="http://schemas.microsoft.com/office/drawing/2014/main" val="1941804230"/>
+                    <a16:rowId xmlns:a16="http://schemas.microsoft.com/office/drawing/2014/main" xmlns="" val="1941804230"/>
                   </a:ext>
                 </a:extLst>
               </a:tr>
@@ -13416,7 +13439,7 @@
                 </a:tc>
                 <a:extLst>
                   <a:ext uri="{0D108BD9-81ED-4DB2-BD59-A6C34878D82A}">
-                    <a16:rowId xmlns="" xmlns:a16="http://schemas.microsoft.com/office/drawing/2014/main" val="1480913480"/>
+                    <a16:rowId xmlns:a16="http://schemas.microsoft.com/office/drawing/2014/main" xmlns="" val="1480913480"/>
                   </a:ext>
                 </a:extLst>
               </a:tr>
@@ -13555,7 +13578,7 @@
                 </a:tc>
                 <a:extLst>
                   <a:ext uri="{0D108BD9-81ED-4DB2-BD59-A6C34878D82A}">
-                    <a16:rowId xmlns="" xmlns:a16="http://schemas.microsoft.com/office/drawing/2014/main" val="2142311147"/>
+                    <a16:rowId xmlns:a16="http://schemas.microsoft.com/office/drawing/2014/main" xmlns="" val="2142311147"/>
                   </a:ext>
                 </a:extLst>
               </a:tr>
@@ -13694,7 +13717,7 @@
                 </a:tc>
                 <a:extLst>
                   <a:ext uri="{0D108BD9-81ED-4DB2-BD59-A6C34878D82A}">
-                    <a16:rowId xmlns="" xmlns:a16="http://schemas.microsoft.com/office/drawing/2014/main" val="1697853070"/>
+                    <a16:rowId xmlns:a16="http://schemas.microsoft.com/office/drawing/2014/main" xmlns="" val="1697853070"/>
                   </a:ext>
                 </a:extLst>
               </a:tr>
@@ -13833,7 +13856,7 @@
                 </a:tc>
                 <a:extLst>
                   <a:ext uri="{0D108BD9-81ED-4DB2-BD59-A6C34878D82A}">
-                    <a16:rowId xmlns="" xmlns:a16="http://schemas.microsoft.com/office/drawing/2014/main" val="1352526327"/>
+                    <a16:rowId xmlns:a16="http://schemas.microsoft.com/office/drawing/2014/main" xmlns="" val="1352526327"/>
                   </a:ext>
                 </a:extLst>
               </a:tr>
@@ -13972,7 +13995,7 @@
                 </a:tc>
                 <a:extLst>
                   <a:ext uri="{0D108BD9-81ED-4DB2-BD59-A6C34878D82A}">
-                    <a16:rowId xmlns="" xmlns:a16="http://schemas.microsoft.com/office/drawing/2014/main" val="3614547509"/>
+                    <a16:rowId xmlns:a16="http://schemas.microsoft.com/office/drawing/2014/main" xmlns="" val="3614547509"/>
                   </a:ext>
                 </a:extLst>
               </a:tr>
@@ -14111,7 +14134,7 @@
                 </a:tc>
                 <a:extLst>
                   <a:ext uri="{0D108BD9-81ED-4DB2-BD59-A6C34878D82A}">
-                    <a16:rowId xmlns="" xmlns:a16="http://schemas.microsoft.com/office/drawing/2014/main" val="3442643856"/>
+                    <a16:rowId xmlns:a16="http://schemas.microsoft.com/office/drawing/2014/main" xmlns="" val="3442643856"/>
                   </a:ext>
                 </a:extLst>
               </a:tr>
@@ -14250,7 +14273,7 @@
                 </a:tc>
                 <a:extLst>
                   <a:ext uri="{0D108BD9-81ED-4DB2-BD59-A6C34878D82A}">
-                    <a16:rowId xmlns="" xmlns:a16="http://schemas.microsoft.com/office/drawing/2014/main" val="447005679"/>
+                    <a16:rowId xmlns:a16="http://schemas.microsoft.com/office/drawing/2014/main" xmlns="" val="447005679"/>
                   </a:ext>
                 </a:extLst>
               </a:tr>
@@ -14389,7 +14412,7 @@
                 </a:tc>
                 <a:extLst>
                   <a:ext uri="{0D108BD9-81ED-4DB2-BD59-A6C34878D82A}">
-                    <a16:rowId xmlns="" xmlns:a16="http://schemas.microsoft.com/office/drawing/2014/main" val="2390564235"/>
+                    <a16:rowId xmlns:a16="http://schemas.microsoft.com/office/drawing/2014/main" xmlns="" val="2390564235"/>
                   </a:ext>
                 </a:extLst>
               </a:tr>
@@ -14528,7 +14551,7 @@
                 </a:tc>
                 <a:extLst>
                   <a:ext uri="{0D108BD9-81ED-4DB2-BD59-A6C34878D82A}">
-                    <a16:rowId xmlns="" xmlns:a16="http://schemas.microsoft.com/office/drawing/2014/main" val="1458288549"/>
+                    <a16:rowId xmlns:a16="http://schemas.microsoft.com/office/drawing/2014/main" xmlns="" val="1458288549"/>
                   </a:ext>
                 </a:extLst>
               </a:tr>
@@ -14667,7 +14690,7 @@
                 </a:tc>
                 <a:extLst>
                   <a:ext uri="{0D108BD9-81ED-4DB2-BD59-A6C34878D82A}">
-                    <a16:rowId xmlns="" xmlns:a16="http://schemas.microsoft.com/office/drawing/2014/main" val="3885549203"/>
+                    <a16:rowId xmlns:a16="http://schemas.microsoft.com/office/drawing/2014/main" xmlns="" val="3885549203"/>
                   </a:ext>
                 </a:extLst>
               </a:tr>
@@ -14806,7 +14829,7 @@
                 </a:tc>
                 <a:extLst>
                   <a:ext uri="{0D108BD9-81ED-4DB2-BD59-A6C34878D82A}">
-                    <a16:rowId xmlns="" xmlns:a16="http://schemas.microsoft.com/office/drawing/2014/main" val="2880150647"/>
+                    <a16:rowId xmlns:a16="http://schemas.microsoft.com/office/drawing/2014/main" xmlns="" val="2880150647"/>
                   </a:ext>
                 </a:extLst>
               </a:tr>
@@ -14945,7 +14968,7 @@
                 </a:tc>
                 <a:extLst>
                   <a:ext uri="{0D108BD9-81ED-4DB2-BD59-A6C34878D82A}">
-                    <a16:rowId xmlns="" xmlns:a16="http://schemas.microsoft.com/office/drawing/2014/main" val="591697836"/>
+                    <a16:rowId xmlns:a16="http://schemas.microsoft.com/office/drawing/2014/main" xmlns="" val="591697836"/>
                   </a:ext>
                 </a:extLst>
               </a:tr>
@@ -15078,7 +15101,7 @@
                 </a:tc>
                 <a:extLst>
                   <a:ext uri="{0D108BD9-81ED-4DB2-BD59-A6C34878D82A}">
-                    <a16:rowId xmlns="" xmlns:a16="http://schemas.microsoft.com/office/drawing/2014/main" val="2289723973"/>
+                    <a16:rowId xmlns:a16="http://schemas.microsoft.com/office/drawing/2014/main" xmlns="" val="2289723973"/>
                   </a:ext>
                 </a:extLst>
               </a:tr>
@@ -15157,7 +15180,7 @@
           <p:cNvPr id="4" name="Picture 3">
             <a:extLst>
               <a:ext uri="{FF2B5EF4-FFF2-40B4-BE49-F238E27FC236}">
-                <a16:creationId xmlns="" xmlns:a16="http://schemas.microsoft.com/office/drawing/2014/main" id="{00BB2E8D-3A49-4BEE-8921-BE5D367041AF}"/>
+                <a16:creationId xmlns:a16="http://schemas.microsoft.com/office/drawing/2014/main" xmlns="" id="{00BB2E8D-3A49-4BEE-8921-BE5D367041AF}"/>
               </a:ext>
             </a:extLst>
           </p:cNvPr>
@@ -15351,7 +15374,7 @@
           <p:cNvPr id="2" name="Title 1">
             <a:extLst>
               <a:ext uri="{FF2B5EF4-FFF2-40B4-BE49-F238E27FC236}">
-                <a16:creationId xmlns="" xmlns:a16="http://schemas.microsoft.com/office/drawing/2014/main" id="{17713952-F892-4C5B-9113-DE603E17FEA5}"/>
+                <a16:creationId xmlns:a16="http://schemas.microsoft.com/office/drawing/2014/main" xmlns="" id="{17713952-F892-4C5B-9113-DE603E17FEA5}"/>
               </a:ext>
             </a:extLst>
           </p:cNvPr>
@@ -15392,7 +15415,7 @@
           <p:cNvPr id="8" name="Picture 7">
             <a:extLst>
               <a:ext uri="{FF2B5EF4-FFF2-40B4-BE49-F238E27FC236}">
-                <a16:creationId xmlns="" xmlns:a16="http://schemas.microsoft.com/office/drawing/2014/main" id="{BA11D514-2EDB-4122-ADF1-C1EA78E6CDD0}"/>
+                <a16:creationId xmlns:a16="http://schemas.microsoft.com/office/drawing/2014/main" xmlns="" id="{BA11D514-2EDB-4122-ADF1-C1EA78E6CDD0}"/>
               </a:ext>
             </a:extLst>
           </p:cNvPr>
@@ -15458,7 +15481,7 @@
           <p:cNvPr id="2" name="Title 1">
             <a:extLst>
               <a:ext uri="{FF2B5EF4-FFF2-40B4-BE49-F238E27FC236}">
-                <a16:creationId xmlns="" xmlns:a16="http://schemas.microsoft.com/office/drawing/2014/main" id="{17713952-F892-4C5B-9113-DE603E17FEA5}"/>
+                <a16:creationId xmlns:a16="http://schemas.microsoft.com/office/drawing/2014/main" xmlns="" id="{17713952-F892-4C5B-9113-DE603E17FEA5}"/>
               </a:ext>
             </a:extLst>
           </p:cNvPr>
@@ -15499,7 +15522,7 @@
           <p:cNvPr id="4" name="Picture 3">
             <a:extLst>
               <a:ext uri="{FF2B5EF4-FFF2-40B4-BE49-F238E27FC236}">
-                <a16:creationId xmlns="" xmlns:a16="http://schemas.microsoft.com/office/drawing/2014/main" id="{11110280-A2E5-4406-92FE-BC444611F83B}"/>
+                <a16:creationId xmlns:a16="http://schemas.microsoft.com/office/drawing/2014/main" xmlns="" id="{11110280-A2E5-4406-92FE-BC444611F83B}"/>
               </a:ext>
             </a:extLst>
           </p:cNvPr>
@@ -15687,7 +15710,7 @@
           <p:cNvPr id="2" name="Title 1">
             <a:extLst>
               <a:ext uri="{FF2B5EF4-FFF2-40B4-BE49-F238E27FC236}">
-                <a16:creationId xmlns="" xmlns:a16="http://schemas.microsoft.com/office/drawing/2014/main" id="{17713952-F892-4C5B-9113-DE603E17FEA5}"/>
+                <a16:creationId xmlns:a16="http://schemas.microsoft.com/office/drawing/2014/main" xmlns="" id="{17713952-F892-4C5B-9113-DE603E17FEA5}"/>
               </a:ext>
             </a:extLst>
           </p:cNvPr>
@@ -15728,7 +15751,7 @@
           <p:cNvPr id="5" name="Picture 4">
             <a:extLst>
               <a:ext uri="{FF2B5EF4-FFF2-40B4-BE49-F238E27FC236}">
-                <a16:creationId xmlns="" xmlns:a16="http://schemas.microsoft.com/office/drawing/2014/main" id="{6A56FA95-730D-4B2B-A686-4F04B8432214}"/>
+                <a16:creationId xmlns:a16="http://schemas.microsoft.com/office/drawing/2014/main" xmlns="" id="{6A56FA95-730D-4B2B-A686-4F04B8432214}"/>
               </a:ext>
             </a:extLst>
           </p:cNvPr>
@@ -15758,7 +15781,7 @@
           <p:cNvPr id="10" name="Picture 9">
             <a:extLst>
               <a:ext uri="{FF2B5EF4-FFF2-40B4-BE49-F238E27FC236}">
-                <a16:creationId xmlns="" xmlns:a16="http://schemas.microsoft.com/office/drawing/2014/main" id="{00584A31-013F-4B7D-8D0B-177A1C56843E}"/>
+                <a16:creationId xmlns:a16="http://schemas.microsoft.com/office/drawing/2014/main" xmlns="" id="{00584A31-013F-4B7D-8D0B-177A1C56843E}"/>
               </a:ext>
             </a:extLst>
           </p:cNvPr>
@@ -15788,7 +15811,7 @@
           <p:cNvPr id="11" name="Table 11">
             <a:extLst>
               <a:ext uri="{FF2B5EF4-FFF2-40B4-BE49-F238E27FC236}">
-                <a16:creationId xmlns="" xmlns:a16="http://schemas.microsoft.com/office/drawing/2014/main" id="{8BC57CC5-43C0-45A2-859B-646043921BAA}"/>
+                <a16:creationId xmlns:a16="http://schemas.microsoft.com/office/drawing/2014/main" xmlns="" id="{8BC57CC5-43C0-45A2-859B-646043921BAA}"/>
               </a:ext>
             </a:extLst>
           </p:cNvPr>
@@ -15817,35 +15840,35 @@
                 <a:gridCol w="2017988">
                   <a:extLst>
                     <a:ext uri="{9D8B030D-6E8A-4147-A177-3AD203B41FA5}">
-                      <a16:colId xmlns="" xmlns:a16="http://schemas.microsoft.com/office/drawing/2014/main" val="975793048"/>
+                      <a16:colId xmlns:a16="http://schemas.microsoft.com/office/drawing/2014/main" xmlns="" val="975793048"/>
                     </a:ext>
                   </a:extLst>
                 </a:gridCol>
                 <a:gridCol w="504496">
                   <a:extLst>
                     <a:ext uri="{9D8B030D-6E8A-4147-A177-3AD203B41FA5}">
-                      <a16:colId xmlns="" xmlns:a16="http://schemas.microsoft.com/office/drawing/2014/main" val="3233869983"/>
+                      <a16:colId xmlns:a16="http://schemas.microsoft.com/office/drawing/2014/main" xmlns="" val="3233869983"/>
                     </a:ext>
                   </a:extLst>
                 </a:gridCol>
                 <a:gridCol w="683173">
                   <a:extLst>
                     <a:ext uri="{9D8B030D-6E8A-4147-A177-3AD203B41FA5}">
-                      <a16:colId xmlns="" xmlns:a16="http://schemas.microsoft.com/office/drawing/2014/main" val="3879306507"/>
+                      <a16:colId xmlns:a16="http://schemas.microsoft.com/office/drawing/2014/main" xmlns="" val="3879306507"/>
                     </a:ext>
                   </a:extLst>
                 </a:gridCol>
                 <a:gridCol w="2427891">
                   <a:extLst>
                     <a:ext uri="{9D8B030D-6E8A-4147-A177-3AD203B41FA5}">
-                      <a16:colId xmlns="" xmlns:a16="http://schemas.microsoft.com/office/drawing/2014/main" val="254442147"/>
+                      <a16:colId xmlns:a16="http://schemas.microsoft.com/office/drawing/2014/main" xmlns="" val="254442147"/>
                     </a:ext>
                   </a:extLst>
                 </a:gridCol>
                 <a:gridCol w="1334812">
                   <a:extLst>
                     <a:ext uri="{9D8B030D-6E8A-4147-A177-3AD203B41FA5}">
-                      <a16:colId xmlns="" xmlns:a16="http://schemas.microsoft.com/office/drawing/2014/main" val="1705527743"/>
+                      <a16:colId xmlns:a16="http://schemas.microsoft.com/office/drawing/2014/main" xmlns="" val="1705527743"/>
                     </a:ext>
                   </a:extLst>
                 </a:gridCol>
@@ -15948,7 +15971,7 @@
                 </a:tc>
                 <a:extLst>
                   <a:ext uri="{0D108BD9-81ED-4DB2-BD59-A6C34878D82A}">
-                    <a16:rowId xmlns="" xmlns:a16="http://schemas.microsoft.com/office/drawing/2014/main" val="2173708560"/>
+                    <a16:rowId xmlns:a16="http://schemas.microsoft.com/office/drawing/2014/main" xmlns="" val="2173708560"/>
                   </a:ext>
                 </a:extLst>
               </a:tr>
@@ -16050,7 +16073,7 @@
                 </a:tc>
                 <a:extLst>
                   <a:ext uri="{0D108BD9-81ED-4DB2-BD59-A6C34878D82A}">
-                    <a16:rowId xmlns="" xmlns:a16="http://schemas.microsoft.com/office/drawing/2014/main" val="332881292"/>
+                    <a16:rowId xmlns:a16="http://schemas.microsoft.com/office/drawing/2014/main" xmlns="" val="332881292"/>
                   </a:ext>
                 </a:extLst>
               </a:tr>
@@ -16063,7 +16086,7 @@
           <p:cNvPr id="13" name="TextBox 12">
             <a:extLst>
               <a:ext uri="{FF2B5EF4-FFF2-40B4-BE49-F238E27FC236}">
-                <a16:creationId xmlns="" xmlns:a16="http://schemas.microsoft.com/office/drawing/2014/main" id="{8B653D9A-7683-4748-9BAF-D3094234E7E0}"/>
+                <a16:creationId xmlns:a16="http://schemas.microsoft.com/office/drawing/2014/main" xmlns="" id="{8B653D9A-7683-4748-9BAF-D3094234E7E0}"/>
               </a:ext>
             </a:extLst>
           </p:cNvPr>
@@ -16535,7 +16558,7 @@
   <a:extraClrSchemeLst/>
   <a:extLst>
     <a:ext uri="{05A4C25C-085E-4340-85A3-A5531E510DB2}">
-      <thm15:themeFamily xmlns="" xmlns:thm15="http://schemas.microsoft.com/office/thememl/2012/main" name="Office Theme" id="{62F939B6-93AF-4DB8-9C6B-D6C7DFDC589F}" vid="{4A3C46E8-61CC-4603-A589-7422A47A8E4A}"/>
+      <thm15:themeFamily xmlns:thm15="http://schemas.microsoft.com/office/thememl/2012/main" xmlns="" name="Office Theme" id="{62F939B6-93AF-4DB8-9C6B-D6C7DFDC589F}" vid="{4A3C46E8-61CC-4603-A589-7422A47A8E4A}"/>
     </a:ext>
   </a:extLst>
 </a:theme>

--- a/Budweiser Analysis.pptx
+++ b/Budweiser Analysis.pptx
@@ -20,8 +20,7 @@
     <p:sldId id="269" r:id="rId14"/>
     <p:sldId id="260" r:id="rId15"/>
     <p:sldId id="261" r:id="rId16"/>
-    <p:sldId id="265" r:id="rId17"/>
-    <p:sldId id="271" r:id="rId18"/>
+    <p:sldId id="271" r:id="rId17"/>
   </p:sldIdLst>
   <p:sldSz cx="12192000" cy="6858000"/>
   <p:notesSz cx="6858000" cy="9144000"/>
@@ -270,7 +269,7 @@
           <a:p>
             <a:fld id="{9407FA5D-63C3-4DB0-91D9-4EEAAE85BCB3}" type="datetimeFigureOut">
               <a:rPr lang="en-US" smtClean="0"/>
-              <a:t>3/6/2021</a:t>
+              <a:t>3/7/2021</a:t>
             </a:fld>
             <a:endParaRPr lang="en-US"/>
           </a:p>
@@ -440,7 +439,7 @@
           <a:p>
             <a:fld id="{9407FA5D-63C3-4DB0-91D9-4EEAAE85BCB3}" type="datetimeFigureOut">
               <a:rPr lang="en-US" smtClean="0"/>
-              <a:t>3/6/2021</a:t>
+              <a:t>3/7/2021</a:t>
             </a:fld>
             <a:endParaRPr lang="en-US"/>
           </a:p>
@@ -620,7 +619,7 @@
           <a:p>
             <a:fld id="{9407FA5D-63C3-4DB0-91D9-4EEAAE85BCB3}" type="datetimeFigureOut">
               <a:rPr lang="en-US" smtClean="0"/>
-              <a:t>3/6/2021</a:t>
+              <a:t>3/7/2021</a:t>
             </a:fld>
             <a:endParaRPr lang="en-US"/>
           </a:p>
@@ -790,7 +789,7 @@
           <a:p>
             <a:fld id="{9407FA5D-63C3-4DB0-91D9-4EEAAE85BCB3}" type="datetimeFigureOut">
               <a:rPr lang="en-US" smtClean="0"/>
-              <a:t>3/6/2021</a:t>
+              <a:t>3/7/2021</a:t>
             </a:fld>
             <a:endParaRPr lang="en-US"/>
           </a:p>
@@ -1036,7 +1035,7 @@
           <a:p>
             <a:fld id="{9407FA5D-63C3-4DB0-91D9-4EEAAE85BCB3}" type="datetimeFigureOut">
               <a:rPr lang="en-US" smtClean="0"/>
-              <a:t>3/6/2021</a:t>
+              <a:t>3/7/2021</a:t>
             </a:fld>
             <a:endParaRPr lang="en-US"/>
           </a:p>
@@ -1268,7 +1267,7 @@
           <a:p>
             <a:fld id="{9407FA5D-63C3-4DB0-91D9-4EEAAE85BCB3}" type="datetimeFigureOut">
               <a:rPr lang="en-US" smtClean="0"/>
-              <a:t>3/6/2021</a:t>
+              <a:t>3/7/2021</a:t>
             </a:fld>
             <a:endParaRPr lang="en-US"/>
           </a:p>
@@ -1635,7 +1634,7 @@
           <a:p>
             <a:fld id="{9407FA5D-63C3-4DB0-91D9-4EEAAE85BCB3}" type="datetimeFigureOut">
               <a:rPr lang="en-US" smtClean="0"/>
-              <a:t>3/6/2021</a:t>
+              <a:t>3/7/2021</a:t>
             </a:fld>
             <a:endParaRPr lang="en-US"/>
           </a:p>
@@ -1753,7 +1752,7 @@
           <a:p>
             <a:fld id="{9407FA5D-63C3-4DB0-91D9-4EEAAE85BCB3}" type="datetimeFigureOut">
               <a:rPr lang="en-US" smtClean="0"/>
-              <a:t>3/6/2021</a:t>
+              <a:t>3/7/2021</a:t>
             </a:fld>
             <a:endParaRPr lang="en-US"/>
           </a:p>
@@ -1848,7 +1847,7 @@
           <a:p>
             <a:fld id="{9407FA5D-63C3-4DB0-91D9-4EEAAE85BCB3}" type="datetimeFigureOut">
               <a:rPr lang="en-US" smtClean="0"/>
-              <a:t>3/6/2021</a:t>
+              <a:t>3/7/2021</a:t>
             </a:fld>
             <a:endParaRPr lang="en-US"/>
           </a:p>
@@ -2125,7 +2124,7 @@
           <a:p>
             <a:fld id="{9407FA5D-63C3-4DB0-91D9-4EEAAE85BCB3}" type="datetimeFigureOut">
               <a:rPr lang="en-US" smtClean="0"/>
-              <a:t>3/6/2021</a:t>
+              <a:t>3/7/2021</a:t>
             </a:fld>
             <a:endParaRPr lang="en-US"/>
           </a:p>
@@ -2382,7 +2381,7 @@
           <a:p>
             <a:fld id="{9407FA5D-63C3-4DB0-91D9-4EEAAE85BCB3}" type="datetimeFigureOut">
               <a:rPr lang="en-US" smtClean="0"/>
-              <a:t>3/6/2021</a:t>
+              <a:t>3/7/2021</a:t>
             </a:fld>
             <a:endParaRPr lang="en-US"/>
           </a:p>
@@ -2595,7 +2594,7 @@
           <a:p>
             <a:fld id="{9407FA5D-63C3-4DB0-91D9-4EEAAE85BCB3}" type="datetimeFigureOut">
               <a:rPr lang="en-US" smtClean="0"/>
-              <a:t>3/6/2021</a:t>
+              <a:t>3/7/2021</a:t>
             </a:fld>
             <a:endParaRPr lang="en-US"/>
           </a:p>
@@ -3086,29 +3085,31 @@
           <a:p>
             <a:r>
               <a:rPr lang="en-US" sz="2000" dirty="0"/>
-              <a:t>Link for video</a:t>
+              <a:t>Link </a:t>
             </a:r>
             <a:r>
-              <a:rPr lang="en-US" sz="2000" dirty="0"/>
+              <a:rPr lang="en-US" sz="2000" dirty="0" smtClean="0"/>
+              <a:t>to video</a:t>
+            </a:r>
+            <a:r>
+              <a:rPr lang="en-US" sz="2000" dirty="0" smtClean="0"/>
               <a:t>: </a:t>
             </a:r>
             <a:r>
               <a:rPr lang="en-US" sz="2000" dirty="0">
                 <a:hlinkClick r:id="rId2"/>
               </a:rPr>
-              <a:t>http</a:t>
+              <a:t>https://</a:t>
             </a:r>
             <a:r>
-              <a:rPr lang="en-US" sz="2000">
+              <a:rPr lang="en-US" sz="2000" dirty="0" smtClean="0">
                 <a:hlinkClick r:id="rId2"/>
               </a:rPr>
-              <a:t>://</a:t>
+              <a:t>youtu.be/ZWU1Dijp-D4</a:t>
             </a:r>
             <a:r>
-              <a:rPr lang="en-US" sz="2000" smtClean="0">
-                <a:hlinkClick r:id="rId2"/>
-              </a:rPr>
-              <a:t>youtube.com/ajasserme</a:t>
+              <a:rPr lang="en-US" sz="2000" dirty="0" smtClean="0"/>
+              <a:t> </a:t>
             </a:r>
             <a:endParaRPr lang="en-US" sz="2000" dirty="0" smtClean="0"/>
           </a:p>
@@ -10871,100 +10872,6 @@
 <file path=ppt/slides/slide16.xml><?xml version="1.0" encoding="utf-8"?>
 <p:sld xmlns:a="http://schemas.openxmlformats.org/drawingml/2006/main" xmlns:r="http://schemas.openxmlformats.org/officeDocument/2006/relationships" xmlns:p="http://schemas.openxmlformats.org/presentationml/2006/main">
   <p:cSld>
-    <p:spTree>
-      <p:nvGrpSpPr>
-        <p:cNvPr id="1" name=""/>
-        <p:cNvGrpSpPr/>
-        <p:nvPr/>
-      </p:nvGrpSpPr>
-      <p:grpSpPr>
-        <a:xfrm>
-          <a:off x="0" y="0"/>
-          <a:ext cx="0" cy="0"/>
-          <a:chOff x="0" y="0"/>
-          <a:chExt cx="0" cy="0"/>
-        </a:xfrm>
-      </p:grpSpPr>
-      <p:sp>
-        <p:nvSpPr>
-          <p:cNvPr id="2" name="Title 1"/>
-          <p:cNvSpPr>
-            <a:spLocks noGrp="1"/>
-          </p:cNvSpPr>
-          <p:nvPr>
-            <p:ph type="title"/>
-          </p:nvPr>
-        </p:nvSpPr>
-        <p:spPr/>
-        <p:txBody>
-          <a:bodyPr/>
-          <a:lstStyle/>
-          <a:p>
-            <a:r>
-              <a:rPr lang="en-US" dirty="0">
-                <a:solidFill>
-                  <a:srgbClr val="FF0000"/>
-                </a:solidFill>
-                <a:latin typeface="Arial" panose="020B0604020202020204" pitchFamily="34" charset="0"/>
-                <a:ea typeface="Times New Roman" panose="02020603050405020304" pitchFamily="18" charset="0"/>
-              </a:rPr>
-              <a:t>Duplicate Values</a:t>
-            </a:r>
-            <a:endParaRPr lang="en-US" dirty="0"/>
-          </a:p>
-        </p:txBody>
-      </p:sp>
-      <p:sp>
-        <p:nvSpPr>
-          <p:cNvPr id="3" name="Content Placeholder 2"/>
-          <p:cNvSpPr>
-            <a:spLocks noGrp="1"/>
-          </p:cNvSpPr>
-          <p:nvPr>
-            <p:ph idx="1"/>
-          </p:nvPr>
-        </p:nvSpPr>
-        <p:spPr/>
-        <p:txBody>
-          <a:bodyPr/>
-          <a:lstStyle/>
-          <a:p>
-            <a:r>
-              <a:rPr lang="en-US" dirty="0"/>
-              <a:t>There are fewer than 100 rows with identical values. Are there any guidance on how these should be addressed?</a:t>
-            </a:r>
-          </a:p>
-          <a:p>
-            <a:pPr marL="0" indent="0">
-              <a:buNone/>
-            </a:pPr>
-            <a:endParaRPr lang="en-US" dirty="0"/>
-          </a:p>
-        </p:txBody>
-      </p:sp>
-    </p:spTree>
-    <p:extLst>
-      <p:ext uri="{BB962C8B-B14F-4D97-AF65-F5344CB8AC3E}">
-        <p14:creationId xmlns:p14="http://schemas.microsoft.com/office/powerpoint/2010/main" val="2091962395"/>
-      </p:ext>
-    </p:extLst>
-  </p:cSld>
-  <p:clrMapOvr>
-    <a:masterClrMapping/>
-  </p:clrMapOvr>
-  <p:timing>
-    <p:tnLst>
-      <p:par>
-        <p:cTn id="1" dur="indefinite" restart="never" nodeType="tmRoot"/>
-      </p:par>
-    </p:tnLst>
-  </p:timing>
-</p:sld>
-</file>
-
-<file path=ppt/slides/slide17.xml><?xml version="1.0" encoding="utf-8"?>
-<p:sld xmlns:a="http://schemas.openxmlformats.org/drawingml/2006/main" xmlns:r="http://schemas.openxmlformats.org/officeDocument/2006/relationships" xmlns:p="http://schemas.openxmlformats.org/presentationml/2006/main">
-  <p:cSld>
     <p:bg>
       <p:bgPr>
         <a:solidFill>
@@ -11174,6 +11081,13 @@
   <p:clrMapOvr>
     <a:masterClrMapping/>
   </p:clrMapOvr>
+  <p:timing>
+    <p:tnLst>
+      <p:par>
+        <p:cTn id="1" dur="indefinite" restart="never" nodeType="tmRoot"/>
+      </p:par>
+    </p:tnLst>
+  </p:timing>
 </p:sld>
 </file>
 
